--- a/02_MappingAndCoveragePlotting/normalizedCoverageTables/CoveragePlots/SuppFigure3.pptx
+++ b/02_MappingAndCoveragePlotting/normalizedCoverageTables/CoveragePlots/SuppFigure3.pptx
@@ -251,7 +251,7 @@
           <a:p>
             <a:fld id="{955127D8-5F9C-4570-9EFC-13089337CA83}" type="datetimeFigureOut">
               <a:rPr lang="en-US" smtClean="0"/>
-              <a:t>8/17/2023</a:t>
+              <a:t>9/6/2023</a:t>
             </a:fld>
             <a:endParaRPr lang="en-US"/>
           </a:p>
@@ -421,7 +421,7 @@
           <a:p>
             <a:fld id="{955127D8-5F9C-4570-9EFC-13089337CA83}" type="datetimeFigureOut">
               <a:rPr lang="en-US" smtClean="0"/>
-              <a:t>8/17/2023</a:t>
+              <a:t>9/6/2023</a:t>
             </a:fld>
             <a:endParaRPr lang="en-US"/>
           </a:p>
@@ -601,7 +601,7 @@
           <a:p>
             <a:fld id="{955127D8-5F9C-4570-9EFC-13089337CA83}" type="datetimeFigureOut">
               <a:rPr lang="en-US" smtClean="0"/>
-              <a:t>8/17/2023</a:t>
+              <a:t>9/6/2023</a:t>
             </a:fld>
             <a:endParaRPr lang="en-US"/>
           </a:p>
@@ -771,7 +771,7 @@
           <a:p>
             <a:fld id="{955127D8-5F9C-4570-9EFC-13089337CA83}" type="datetimeFigureOut">
               <a:rPr lang="en-US" smtClean="0"/>
-              <a:t>8/17/2023</a:t>
+              <a:t>9/6/2023</a:t>
             </a:fld>
             <a:endParaRPr lang="en-US"/>
           </a:p>
@@ -1015,7 +1015,7 @@
           <a:p>
             <a:fld id="{955127D8-5F9C-4570-9EFC-13089337CA83}" type="datetimeFigureOut">
               <a:rPr lang="en-US" smtClean="0"/>
-              <a:t>8/17/2023</a:t>
+              <a:t>9/6/2023</a:t>
             </a:fld>
             <a:endParaRPr lang="en-US"/>
           </a:p>
@@ -1247,7 +1247,7 @@
           <a:p>
             <a:fld id="{955127D8-5F9C-4570-9EFC-13089337CA83}" type="datetimeFigureOut">
               <a:rPr lang="en-US" smtClean="0"/>
-              <a:t>8/17/2023</a:t>
+              <a:t>9/6/2023</a:t>
             </a:fld>
             <a:endParaRPr lang="en-US"/>
           </a:p>
@@ -1614,7 +1614,7 @@
           <a:p>
             <a:fld id="{955127D8-5F9C-4570-9EFC-13089337CA83}" type="datetimeFigureOut">
               <a:rPr lang="en-US" smtClean="0"/>
-              <a:t>8/17/2023</a:t>
+              <a:t>9/6/2023</a:t>
             </a:fld>
             <a:endParaRPr lang="en-US"/>
           </a:p>
@@ -1732,7 +1732,7 @@
           <a:p>
             <a:fld id="{955127D8-5F9C-4570-9EFC-13089337CA83}" type="datetimeFigureOut">
               <a:rPr lang="en-US" smtClean="0"/>
-              <a:t>8/17/2023</a:t>
+              <a:t>9/6/2023</a:t>
             </a:fld>
             <a:endParaRPr lang="en-US"/>
           </a:p>
@@ -1827,7 +1827,7 @@
           <a:p>
             <a:fld id="{955127D8-5F9C-4570-9EFC-13089337CA83}" type="datetimeFigureOut">
               <a:rPr lang="en-US" smtClean="0"/>
-              <a:t>8/17/2023</a:t>
+              <a:t>9/6/2023</a:t>
             </a:fld>
             <a:endParaRPr lang="en-US"/>
           </a:p>
@@ -2104,7 +2104,7 @@
           <a:p>
             <a:fld id="{955127D8-5F9C-4570-9EFC-13089337CA83}" type="datetimeFigureOut">
               <a:rPr lang="en-US" smtClean="0"/>
-              <a:t>8/17/2023</a:t>
+              <a:t>9/6/2023</a:t>
             </a:fld>
             <a:endParaRPr lang="en-US"/>
           </a:p>
@@ -2361,7 +2361,7 @@
           <a:p>
             <a:fld id="{955127D8-5F9C-4570-9EFC-13089337CA83}" type="datetimeFigureOut">
               <a:rPr lang="en-US" smtClean="0"/>
-              <a:t>8/17/2023</a:t>
+              <a:t>9/6/2023</a:t>
             </a:fld>
             <a:endParaRPr lang="en-US"/>
           </a:p>
@@ -2574,7 +2574,7 @@
           <a:p>
             <a:fld id="{955127D8-5F9C-4570-9EFC-13089337CA83}" type="datetimeFigureOut">
               <a:rPr lang="en-US" smtClean="0"/>
-              <a:t>8/17/2023</a:t>
+              <a:t>9/6/2023</a:t>
             </a:fld>
             <a:endParaRPr lang="en-US"/>
           </a:p>
@@ -2981,10 +2981,10 @@
       </p:grpSpPr>
       <p:pic>
         <p:nvPicPr>
-          <p:cNvPr id="5" name="Imagen 4" descr="Gráfico, Histograma&#10;&#10;Descripción generada automáticamente">
+          <p:cNvPr id="3" name="Imagen 2" descr="Gráfico, Histograma&#10;&#10;Descripción generada automáticamente">
             <a:extLst>
               <a:ext uri="{FF2B5EF4-FFF2-40B4-BE49-F238E27FC236}">
-                <a16:creationId xmlns:a16="http://schemas.microsoft.com/office/drawing/2014/main" id="{6348C615-BC2B-64E7-AFAE-AD6FDF17DA2D}"/>
+                <a16:creationId xmlns:a16="http://schemas.microsoft.com/office/drawing/2014/main" id="{DB966AB9-DF09-E7E0-799C-0CD9F878F6D8}"/>
               </a:ext>
             </a:extLst>
           </p:cNvPr>
@@ -3310,6 +3310,170 @@
           </a:p>
         </p:txBody>
       </p:sp>
+      <p:sp>
+        <p:nvSpPr>
+          <p:cNvPr id="8" name="CuadroTexto 7">
+            <a:extLst>
+              <a:ext uri="{FF2B5EF4-FFF2-40B4-BE49-F238E27FC236}">
+                <a16:creationId xmlns:a16="http://schemas.microsoft.com/office/drawing/2014/main" id="{93C493E6-DA98-2D69-C924-183E53465515}"/>
+              </a:ext>
+            </a:extLst>
+          </p:cNvPr>
+          <p:cNvSpPr txBox="1"/>
+          <p:nvPr/>
+        </p:nvSpPr>
+        <p:spPr>
+          <a:xfrm>
+            <a:off x="2938447" y="1034497"/>
+            <a:ext cx="534121" cy="261610"/>
+          </a:xfrm>
+          <a:prstGeom prst="rect">
+            <a:avLst/>
+          </a:prstGeom>
+          <a:noFill/>
+        </p:spPr>
+        <p:txBody>
+          <a:bodyPr wrap="none" rtlCol="0">
+            <a:spAutoFit/>
+          </a:bodyPr>
+          <a:lstStyle/>
+          <a:p>
+            <a:r>
+              <a:rPr lang="es-MX" sz="1100" dirty="0"/>
+              <a:t>4.5 kb</a:t>
+            </a:r>
+            <a:endParaRPr lang="en-US" sz="1100" dirty="0"/>
+          </a:p>
+        </p:txBody>
+      </p:sp>
+      <p:cxnSp>
+        <p:nvCxnSpPr>
+          <p:cNvPr id="7" name="Conector recto de flecha 6">
+            <a:extLst>
+              <a:ext uri="{FF2B5EF4-FFF2-40B4-BE49-F238E27FC236}">
+                <a16:creationId xmlns:a16="http://schemas.microsoft.com/office/drawing/2014/main" id="{8E7189CF-CD0C-9350-D548-62DC157FEFD5}"/>
+              </a:ext>
+            </a:extLst>
+          </p:cNvPr>
+          <p:cNvCxnSpPr/>
+          <p:nvPr/>
+        </p:nvCxnSpPr>
+        <p:spPr>
+          <a:xfrm>
+            <a:off x="2508215" y="1026786"/>
+            <a:ext cx="1394587" cy="0"/>
+          </a:xfrm>
+          <a:prstGeom prst="straightConnector1">
+            <a:avLst/>
+          </a:prstGeom>
+          <a:ln w="19050">
+            <a:solidFill>
+              <a:schemeClr val="tx1"/>
+            </a:solidFill>
+            <a:prstDash val="sysDash"/>
+            <a:headEnd type="triangle"/>
+            <a:tailEnd type="triangle"/>
+          </a:ln>
+        </p:spPr>
+        <p:style>
+          <a:lnRef idx="1">
+            <a:schemeClr val="accent1"/>
+          </a:lnRef>
+          <a:fillRef idx="0">
+            <a:schemeClr val="accent1"/>
+          </a:fillRef>
+          <a:effectRef idx="0">
+            <a:schemeClr val="accent1"/>
+          </a:effectRef>
+          <a:fontRef idx="minor">
+            <a:schemeClr val="tx1"/>
+          </a:fontRef>
+        </p:style>
+      </p:cxnSp>
+      <p:cxnSp>
+        <p:nvCxnSpPr>
+          <p:cNvPr id="16" name="Conector recto 15">
+            <a:extLst>
+              <a:ext uri="{FF2B5EF4-FFF2-40B4-BE49-F238E27FC236}">
+                <a16:creationId xmlns:a16="http://schemas.microsoft.com/office/drawing/2014/main" id="{19F7B1E4-24CC-09CA-A9BA-FDAF93AEBCAB}"/>
+              </a:ext>
+            </a:extLst>
+          </p:cNvPr>
+          <p:cNvCxnSpPr/>
+          <p:nvPr/>
+        </p:nvCxnSpPr>
+        <p:spPr>
+          <a:xfrm>
+            <a:off x="2508214" y="1021676"/>
+            <a:ext cx="0" cy="2569515"/>
+          </a:xfrm>
+          <a:prstGeom prst="line">
+            <a:avLst/>
+          </a:prstGeom>
+          <a:ln>
+            <a:solidFill>
+              <a:schemeClr val="tx1"/>
+            </a:solidFill>
+            <a:prstDash val="dash"/>
+          </a:ln>
+        </p:spPr>
+        <p:style>
+          <a:lnRef idx="1">
+            <a:schemeClr val="accent1"/>
+          </a:lnRef>
+          <a:fillRef idx="0">
+            <a:schemeClr val="accent1"/>
+          </a:fillRef>
+          <a:effectRef idx="0">
+            <a:schemeClr val="accent1"/>
+          </a:effectRef>
+          <a:fontRef idx="minor">
+            <a:schemeClr val="tx1"/>
+          </a:fontRef>
+        </p:style>
+      </p:cxnSp>
+      <p:cxnSp>
+        <p:nvCxnSpPr>
+          <p:cNvPr id="17" name="Conector recto 16">
+            <a:extLst>
+              <a:ext uri="{FF2B5EF4-FFF2-40B4-BE49-F238E27FC236}">
+                <a16:creationId xmlns:a16="http://schemas.microsoft.com/office/drawing/2014/main" id="{9FA9FE37-FE64-404B-AC5A-DE6CC8A64B38}"/>
+              </a:ext>
+            </a:extLst>
+          </p:cNvPr>
+          <p:cNvCxnSpPr/>
+          <p:nvPr/>
+        </p:nvCxnSpPr>
+        <p:spPr>
+          <a:xfrm>
+            <a:off x="3892584" y="1021676"/>
+            <a:ext cx="0" cy="2569515"/>
+          </a:xfrm>
+          <a:prstGeom prst="line">
+            <a:avLst/>
+          </a:prstGeom>
+          <a:ln>
+            <a:solidFill>
+              <a:schemeClr val="tx1"/>
+            </a:solidFill>
+            <a:prstDash val="dash"/>
+          </a:ln>
+        </p:spPr>
+        <p:style>
+          <a:lnRef idx="1">
+            <a:schemeClr val="accent1"/>
+          </a:lnRef>
+          <a:fillRef idx="0">
+            <a:schemeClr val="accent1"/>
+          </a:fillRef>
+          <a:effectRef idx="0">
+            <a:schemeClr val="accent1"/>
+          </a:effectRef>
+          <a:fontRef idx="minor">
+            <a:schemeClr val="tx1"/>
+          </a:fontRef>
+        </p:style>
+      </p:cxnSp>
     </p:spTree>
     <p:extLst>
       <p:ext uri="{BB962C8B-B14F-4D97-AF65-F5344CB8AC3E}">
